--- a/paper/fig/figures.pptx
+++ b/paper/fig/figures.pptx
@@ -202,7 +202,7 @@
           <a:p>
             <a:fld id="{0349BD9D-4300-464C-B7F9-34ECBF4C094B}" type="datetimeFigureOut">
               <a:rPr lang="en-SG" smtClean="0"/>
-              <a:t>27/9/2018</a:t>
+              <a:t>6/12/2018</a:t>
             </a:fld>
             <a:endParaRPr lang="en-SG"/>
           </a:p>
@@ -416,7 +416,7 @@
           <a:p>
             <a:fld id="{57E633AF-AADE-4157-966D-1D6DDCF97E88}" type="datetimeFigureOut">
               <a:rPr lang="en-SG" smtClean="0"/>
-              <a:t>27/9/2018</a:t>
+              <a:t>6/12/2018</a:t>
             </a:fld>
             <a:endParaRPr lang="en-SG"/>
           </a:p>
@@ -586,7 +586,7 @@
           <a:p>
             <a:fld id="{57E633AF-AADE-4157-966D-1D6DDCF97E88}" type="datetimeFigureOut">
               <a:rPr lang="en-SG" smtClean="0"/>
-              <a:t>27/9/2018</a:t>
+              <a:t>6/12/2018</a:t>
             </a:fld>
             <a:endParaRPr lang="en-SG"/>
           </a:p>
@@ -766,7 +766,7 @@
           <a:p>
             <a:fld id="{57E633AF-AADE-4157-966D-1D6DDCF97E88}" type="datetimeFigureOut">
               <a:rPr lang="en-SG" smtClean="0"/>
-              <a:t>27/9/2018</a:t>
+              <a:t>6/12/2018</a:t>
             </a:fld>
             <a:endParaRPr lang="en-SG"/>
           </a:p>
@@ -936,7 +936,7 @@
           <a:p>
             <a:fld id="{57E633AF-AADE-4157-966D-1D6DDCF97E88}" type="datetimeFigureOut">
               <a:rPr lang="en-SG" smtClean="0"/>
-              <a:t>27/9/2018</a:t>
+              <a:t>6/12/2018</a:t>
             </a:fld>
             <a:endParaRPr lang="en-SG"/>
           </a:p>
@@ -1182,7 +1182,7 @@
           <a:p>
             <a:fld id="{57E633AF-AADE-4157-966D-1D6DDCF97E88}" type="datetimeFigureOut">
               <a:rPr lang="en-SG" smtClean="0"/>
-              <a:t>27/9/2018</a:t>
+              <a:t>6/12/2018</a:t>
             </a:fld>
             <a:endParaRPr lang="en-SG"/>
           </a:p>
@@ -1414,7 +1414,7 @@
           <a:p>
             <a:fld id="{57E633AF-AADE-4157-966D-1D6DDCF97E88}" type="datetimeFigureOut">
               <a:rPr lang="en-SG" smtClean="0"/>
-              <a:t>27/9/2018</a:t>
+              <a:t>6/12/2018</a:t>
             </a:fld>
             <a:endParaRPr lang="en-SG"/>
           </a:p>
@@ -1781,7 +1781,7 @@
           <a:p>
             <a:fld id="{57E633AF-AADE-4157-966D-1D6DDCF97E88}" type="datetimeFigureOut">
               <a:rPr lang="en-SG" smtClean="0"/>
-              <a:t>27/9/2018</a:t>
+              <a:t>6/12/2018</a:t>
             </a:fld>
             <a:endParaRPr lang="en-SG"/>
           </a:p>
@@ -1899,7 +1899,7 @@
           <a:p>
             <a:fld id="{57E633AF-AADE-4157-966D-1D6DDCF97E88}" type="datetimeFigureOut">
               <a:rPr lang="en-SG" smtClean="0"/>
-              <a:t>27/9/2018</a:t>
+              <a:t>6/12/2018</a:t>
             </a:fld>
             <a:endParaRPr lang="en-SG"/>
           </a:p>
@@ -1994,7 +1994,7 @@
           <a:p>
             <a:fld id="{57E633AF-AADE-4157-966D-1D6DDCF97E88}" type="datetimeFigureOut">
               <a:rPr lang="en-SG" smtClean="0"/>
-              <a:t>27/9/2018</a:t>
+              <a:t>6/12/2018</a:t>
             </a:fld>
             <a:endParaRPr lang="en-SG"/>
           </a:p>
@@ -2271,7 +2271,7 @@
           <a:p>
             <a:fld id="{57E633AF-AADE-4157-966D-1D6DDCF97E88}" type="datetimeFigureOut">
               <a:rPr lang="en-SG" smtClean="0"/>
-              <a:t>27/9/2018</a:t>
+              <a:t>6/12/2018</a:t>
             </a:fld>
             <a:endParaRPr lang="en-SG"/>
           </a:p>
@@ -2524,7 +2524,7 @@
           <a:p>
             <a:fld id="{57E633AF-AADE-4157-966D-1D6DDCF97E88}" type="datetimeFigureOut">
               <a:rPr lang="en-SG" smtClean="0"/>
-              <a:t>27/9/2018</a:t>
+              <a:t>6/12/2018</a:t>
             </a:fld>
             <a:endParaRPr lang="en-SG"/>
           </a:p>
@@ -2737,7 +2737,7 @@
           <a:p>
             <a:fld id="{57E633AF-AADE-4157-966D-1D6DDCF97E88}" type="datetimeFigureOut">
               <a:rPr lang="en-SG" smtClean="0"/>
-              <a:t>27/9/2018</a:t>
+              <a:t>6/12/2018</a:t>
             </a:fld>
             <a:endParaRPr lang="en-SG"/>
           </a:p>
@@ -12178,8 +12178,8 @@
         </p:nvSpPr>
         <p:spPr>
           <a:xfrm>
-            <a:off x="7408513" y="2889618"/>
-            <a:ext cx="368062" cy="258792"/>
+            <a:off x="7408513" y="2886743"/>
+            <a:ext cx="368062" cy="261667"/>
           </a:xfrm>
           <a:prstGeom prst="rect">
             <a:avLst/>
@@ -12270,8 +12270,8 @@
         </p:nvSpPr>
         <p:spPr>
           <a:xfrm>
-            <a:off x="7408513" y="2133600"/>
-            <a:ext cx="368062" cy="258792"/>
+            <a:off x="7408513" y="2127850"/>
+            <a:ext cx="368062" cy="264542"/>
           </a:xfrm>
           <a:prstGeom prst="rect">
             <a:avLst/>
@@ -13144,6 +13144,186 @@
           </a:fontRef>
         </p:style>
       </p:cxnSp>
+      <p:cxnSp>
+        <p:nvCxnSpPr>
+          <p:cNvPr id="23" name="Elbow Connector 22"/>
+          <p:cNvCxnSpPr>
+            <a:stCxn id="31" idx="3"/>
+            <a:endCxn id="27" idx="3"/>
+          </p:cNvCxnSpPr>
+          <p:nvPr/>
+        </p:nvCxnSpPr>
+        <p:spPr>
+          <a:xfrm flipV="1">
+            <a:off x="7939454" y="2284751"/>
+            <a:ext cx="12700" cy="1392512"/>
+          </a:xfrm>
+          <a:prstGeom prst="bentConnector3">
+            <a:avLst>
+              <a:gd name="adj1" fmla="val 1800000"/>
+            </a:avLst>
+          </a:prstGeom>
+          <a:ln>
+            <a:tailEnd type="triangle"/>
+          </a:ln>
+        </p:spPr>
+        <p:style>
+          <a:lnRef idx="3">
+            <a:schemeClr val="dk1"/>
+          </a:lnRef>
+          <a:fillRef idx="0">
+            <a:schemeClr val="dk1"/>
+          </a:fillRef>
+          <a:effectRef idx="2">
+            <a:schemeClr val="dk1"/>
+          </a:effectRef>
+          <a:fontRef idx="minor">
+            <a:schemeClr val="tx1"/>
+          </a:fontRef>
+        </p:style>
+      </p:cxnSp>
+      <p:sp>
+        <p:nvSpPr>
+          <p:cNvPr id="27" name="TextBox 26"/>
+          <p:cNvSpPr txBox="1"/>
+          <p:nvPr/>
+        </p:nvSpPr>
+        <p:spPr>
+          <a:xfrm>
+            <a:off x="7855327" y="2100085"/>
+            <a:ext cx="84127" cy="369332"/>
+          </a:xfrm>
+          <a:prstGeom prst="rect">
+            <a:avLst/>
+          </a:prstGeom>
+          <a:noFill/>
+        </p:spPr>
+        <p:txBody>
+          <a:bodyPr wrap="square" rtlCol="0">
+            <a:spAutoFit/>
+          </a:bodyPr>
+          <a:lstStyle/>
+          <a:p>
+            <a:endParaRPr lang="en-SG" dirty="0"/>
+          </a:p>
+        </p:txBody>
+      </p:sp>
+      <p:sp>
+        <p:nvSpPr>
+          <p:cNvPr id="31" name="TextBox 30"/>
+          <p:cNvSpPr txBox="1"/>
+          <p:nvPr/>
+        </p:nvSpPr>
+        <p:spPr>
+          <a:xfrm>
+            <a:off x="7855327" y="3492597"/>
+            <a:ext cx="84127" cy="369332"/>
+          </a:xfrm>
+          <a:prstGeom prst="rect">
+            <a:avLst/>
+          </a:prstGeom>
+          <a:noFill/>
+        </p:spPr>
+        <p:txBody>
+          <a:bodyPr wrap="square" rtlCol="0">
+            <a:spAutoFit/>
+          </a:bodyPr>
+          <a:lstStyle/>
+          <a:p>
+            <a:endParaRPr lang="en-SG" dirty="0"/>
+          </a:p>
+        </p:txBody>
+      </p:sp>
+      <p:cxnSp>
+        <p:nvCxnSpPr>
+          <p:cNvPr id="41" name="Elbow Connector 40"/>
+          <p:cNvCxnSpPr>
+            <a:stCxn id="46" idx="3"/>
+            <a:endCxn id="45" idx="3"/>
+          </p:cNvCxnSpPr>
+          <p:nvPr/>
+        </p:nvCxnSpPr>
+        <p:spPr>
+          <a:xfrm flipV="1">
+            <a:off x="7981518" y="3012729"/>
+            <a:ext cx="12700" cy="1454056"/>
+          </a:xfrm>
+          <a:prstGeom prst="bentConnector3">
+            <a:avLst>
+              <a:gd name="adj1" fmla="val 2492307"/>
+            </a:avLst>
+          </a:prstGeom>
+          <a:ln>
+            <a:tailEnd type="triangle"/>
+          </a:ln>
+        </p:spPr>
+        <p:style>
+          <a:lnRef idx="3">
+            <a:schemeClr val="dk1"/>
+          </a:lnRef>
+          <a:fillRef idx="0">
+            <a:schemeClr val="dk1"/>
+          </a:fillRef>
+          <a:effectRef idx="2">
+            <a:schemeClr val="dk1"/>
+          </a:effectRef>
+          <a:fontRef idx="minor">
+            <a:schemeClr val="tx1"/>
+          </a:fontRef>
+        </p:style>
+      </p:cxnSp>
+      <p:sp>
+        <p:nvSpPr>
+          <p:cNvPr id="45" name="TextBox 44"/>
+          <p:cNvSpPr txBox="1"/>
+          <p:nvPr/>
+        </p:nvSpPr>
+        <p:spPr>
+          <a:xfrm>
+            <a:off x="7897391" y="2828063"/>
+            <a:ext cx="84127" cy="369332"/>
+          </a:xfrm>
+          <a:prstGeom prst="rect">
+            <a:avLst/>
+          </a:prstGeom>
+          <a:noFill/>
+        </p:spPr>
+        <p:txBody>
+          <a:bodyPr wrap="square" rtlCol="0">
+            <a:spAutoFit/>
+          </a:bodyPr>
+          <a:lstStyle/>
+          <a:p>
+            <a:endParaRPr lang="en-SG" dirty="0"/>
+          </a:p>
+        </p:txBody>
+      </p:sp>
+      <p:sp>
+        <p:nvSpPr>
+          <p:cNvPr id="46" name="TextBox 45"/>
+          <p:cNvSpPr txBox="1"/>
+          <p:nvPr/>
+        </p:nvSpPr>
+        <p:spPr>
+          <a:xfrm>
+            <a:off x="7897391" y="4282119"/>
+            <a:ext cx="84127" cy="369332"/>
+          </a:xfrm>
+          <a:prstGeom prst="rect">
+            <a:avLst/>
+          </a:prstGeom>
+          <a:noFill/>
+        </p:spPr>
+        <p:txBody>
+          <a:bodyPr wrap="square" rtlCol="0">
+            <a:spAutoFit/>
+          </a:bodyPr>
+          <a:lstStyle/>
+          <a:p>
+            <a:endParaRPr lang="en-SG" dirty="0"/>
+          </a:p>
+        </p:txBody>
+      </p:sp>
     </p:spTree>
     <p:extLst>
       <p:ext uri="{BB962C8B-B14F-4D97-AF65-F5344CB8AC3E}">

--- a/paper/fig/figures.pptx
+++ b/paper/fig/figures.pptx
@@ -220,7 +220,7 @@
         </p:nvSpPr>
         <p:spPr>
           <a:xfrm>
-            <a:off x="0" y="9119475"/>
+            <a:off x="0" y="9119476"/>
             <a:ext cx="3169920" cy="481726"/>
           </a:xfrm>
           <a:prstGeom prst="rect">
@@ -251,7 +251,7 @@
         </p:nvSpPr>
         <p:spPr>
           <a:xfrm>
-            <a:off x="4143587" y="9119475"/>
+            <a:off x="4143587" y="9119476"/>
             <a:ext cx="3169920" cy="481726"/>
           </a:xfrm>
           <a:prstGeom prst="rect">

--- a/paper/fig/figures.pptx
+++ b/paper/fig/figures.pptx
@@ -220,7 +220,7 @@
         </p:nvSpPr>
         <p:spPr>
           <a:xfrm>
-            <a:off x="0" y="9119476"/>
+            <a:off x="0" y="9119475"/>
             <a:ext cx="3169920" cy="481726"/>
           </a:xfrm>
           <a:prstGeom prst="rect">
@@ -251,7 +251,7 @@
         </p:nvSpPr>
         <p:spPr>
           <a:xfrm>
-            <a:off x="4143587" y="9119476"/>
+            <a:off x="4143587" y="9119475"/>
             <a:ext cx="3169920" cy="481726"/>
           </a:xfrm>
           <a:prstGeom prst="rect">
